--- a/slides/06_naive_bayes.pptx
+++ b/slides/06_naive_bayes.pptx
@@ -216,7 +216,7 @@
           <a:p>
             <a:fld id="{3DB912AD-EA73-9140-98FC-984EB544AB7A}" type="datetimeFigureOut">
               <a:rPr lang="en-US" smtClean="0"/>
-              <a:t>9/29/18</a:t>
+              <a:t>10/24/18</a:t>
             </a:fld>
             <a:endParaRPr lang="en-US"/>
           </a:p>
@@ -2128,7 +2128,7 @@
           <a:p>
             <a:fld id="{02CE11C6-247B-0242-8651-D958C13D6FF0}" type="datetimeFigureOut">
               <a:rPr lang="en-US" smtClean="0"/>
-              <a:t>9/29/18</a:t>
+              <a:t>10/24/18</a:t>
             </a:fld>
             <a:endParaRPr lang="en-US"/>
           </a:p>
@@ -2356,7 +2356,7 @@
           <a:p>
             <a:fld id="{02CE11C6-247B-0242-8651-D958C13D6FF0}" type="datetimeFigureOut">
               <a:rPr lang="en-US" smtClean="0"/>
-              <a:t>9/29/18</a:t>
+              <a:t>10/24/18</a:t>
             </a:fld>
             <a:endParaRPr lang="en-US"/>
           </a:p>
@@ -2564,7 +2564,7 @@
           <a:p>
             <a:fld id="{02CE11C6-247B-0242-8651-D958C13D6FF0}" type="datetimeFigureOut">
               <a:rPr lang="en-US" smtClean="0"/>
-              <a:t>9/29/18</a:t>
+              <a:t>10/24/18</a:t>
             </a:fld>
             <a:endParaRPr lang="en-US"/>
           </a:p>
@@ -3029,7 +3029,7 @@
           <a:p>
             <a:fld id="{02CE11C6-247B-0242-8651-D958C13D6FF0}" type="datetimeFigureOut">
               <a:rPr lang="en-US" smtClean="0"/>
-              <a:t>9/29/18</a:t>
+              <a:t>10/24/18</a:t>
             </a:fld>
             <a:endParaRPr lang="en-US"/>
           </a:p>
@@ -3304,7 +3304,7 @@
           <a:p>
             <a:fld id="{02CE11C6-247B-0242-8651-D958C13D6FF0}" type="datetimeFigureOut">
               <a:rPr lang="en-US" smtClean="0"/>
-              <a:t>9/29/18</a:t>
+              <a:t>10/24/18</a:t>
             </a:fld>
             <a:endParaRPr lang="en-US"/>
           </a:p>
@@ -3569,7 +3569,7 @@
           <a:p>
             <a:fld id="{02CE11C6-247B-0242-8651-D958C13D6FF0}" type="datetimeFigureOut">
               <a:rPr lang="en-US" smtClean="0"/>
-              <a:t>9/29/18</a:t>
+              <a:t>10/24/18</a:t>
             </a:fld>
             <a:endParaRPr lang="en-US"/>
           </a:p>
@@ -3981,7 +3981,7 @@
           <a:p>
             <a:fld id="{02CE11C6-247B-0242-8651-D958C13D6FF0}" type="datetimeFigureOut">
               <a:rPr lang="en-US" smtClean="0"/>
-              <a:t>9/29/18</a:t>
+              <a:t>10/24/18</a:t>
             </a:fld>
             <a:endParaRPr lang="en-US"/>
           </a:p>
@@ -4122,7 +4122,7 @@
           <a:p>
             <a:fld id="{02CE11C6-247B-0242-8651-D958C13D6FF0}" type="datetimeFigureOut">
               <a:rPr lang="en-US" smtClean="0"/>
-              <a:t>9/29/18</a:t>
+              <a:t>10/24/18</a:t>
             </a:fld>
             <a:endParaRPr lang="en-US"/>
           </a:p>
@@ -4235,7 +4235,7 @@
           <a:p>
             <a:fld id="{02CE11C6-247B-0242-8651-D958C13D6FF0}" type="datetimeFigureOut">
               <a:rPr lang="en-US" smtClean="0"/>
-              <a:t>9/29/18</a:t>
+              <a:t>10/24/18</a:t>
             </a:fld>
             <a:endParaRPr lang="en-US"/>
           </a:p>
@@ -4546,7 +4546,7 @@
           <a:p>
             <a:fld id="{02CE11C6-247B-0242-8651-D958C13D6FF0}" type="datetimeFigureOut">
               <a:rPr lang="en-US" smtClean="0"/>
-              <a:t>9/29/18</a:t>
+              <a:t>10/24/18</a:t>
             </a:fld>
             <a:endParaRPr lang="en-US"/>
           </a:p>
@@ -4834,7 +4834,7 @@
           <a:p>
             <a:fld id="{02CE11C6-247B-0242-8651-D958C13D6FF0}" type="datetimeFigureOut">
               <a:rPr lang="en-US" smtClean="0"/>
-              <a:t>9/29/18</a:t>
+              <a:t>10/24/18</a:t>
             </a:fld>
             <a:endParaRPr lang="en-US"/>
           </a:p>
@@ -5075,7 +5075,7 @@
           <a:p>
             <a:fld id="{02CE11C6-247B-0242-8651-D958C13D6FF0}" type="datetimeFigureOut">
               <a:rPr lang="en-US" smtClean="0"/>
-              <a:t>9/29/18</a:t>
+              <a:t>10/24/18</a:t>
             </a:fld>
             <a:endParaRPr lang="en-US"/>
           </a:p>
@@ -10018,8 +10018,8 @@
         </p:nvSpPr>
         <p:spPr>
           <a:xfrm>
-            <a:off x="5110554" y="1640584"/>
-            <a:ext cx="6626334" cy="4185761"/>
+            <a:off x="5110553" y="1651094"/>
+            <a:ext cx="6808177" cy="3754874"/>
           </a:xfrm>
           <a:prstGeom prst="rect">
             <a:avLst/>
